--- a/writeups/fsm.pptx
+++ b/writeups/fsm.pptx
@@ -107,6 +107,11 @@
       </a:defRPr>
     </a:lvl9pPr>
   </p:defaultTextStyle>
+  <p:extLst>
+    <p:ext uri="{EFAFB233-063F-42B5-8137-9DF3F51BA10A}">
+      <p15:sldGuideLst xmlns:p15="http://schemas.microsoft.com/office/powerpoint/2012/main"/>
+    </p:ext>
+  </p:extLst>
 </p:presentation>
 </file>
 
@@ -3523,7 +3528,7 @@
         </p:nvSpPr>
         <p:spPr>
           <a:xfrm>
-            <a:off x="2334937" y="2594996"/>
+            <a:off x="1638650" y="3064780"/>
             <a:ext cx="1744910" cy="914400"/>
           </a:xfrm>
           <a:prstGeom prst="rect">
@@ -3615,8 +3620,8 @@
         </p:nvCxnSpPr>
         <p:spPr>
           <a:xfrm flipH="1">
-            <a:off x="3920457" y="1544972"/>
-            <a:ext cx="1013671" cy="1050024"/>
+            <a:off x="2936147" y="1544972"/>
+            <a:ext cx="1997982" cy="1459506"/>
           </a:xfrm>
           <a:prstGeom prst="straightConnector1">
             <a:avLst/>
@@ -3654,7 +3659,7 @@
         </p:nvCxnSpPr>
         <p:spPr>
           <a:xfrm rot="10800000" flipV="1">
-            <a:off x="2306972" y="2594996"/>
+            <a:off x="1610685" y="3064780"/>
             <a:ext cx="654341" cy="620785"/>
           </a:xfrm>
           <a:prstGeom prst="curvedConnector3">
@@ -3697,8 +3702,8 @@
         </p:nvCxnSpPr>
         <p:spPr>
           <a:xfrm flipV="1">
-            <a:off x="2634142" y="1544972"/>
-            <a:ext cx="979765" cy="1093016"/>
+            <a:off x="1813194" y="1566035"/>
+            <a:ext cx="1951725" cy="1438443"/>
           </a:xfrm>
           <a:prstGeom prst="straightConnector1">
             <a:avLst/>
@@ -3770,9 +3775,9 @@
           <p:nvPr/>
         </p:nvSpPr>
         <p:spPr>
-          <a:xfrm>
-            <a:off x="3965675" y="1769902"/>
-            <a:ext cx="2073003" cy="600164"/>
+          <a:xfrm rot="19446400">
+            <a:off x="2928378" y="2122240"/>
+            <a:ext cx="2491388" cy="430887"/>
           </a:xfrm>
           <a:prstGeom prst="rect">
             <a:avLst/>
@@ -3785,31 +3790,27 @@
           </a:bodyPr>
           <a:lstStyle/>
           <a:p>
+            <a:pPr algn="ctr"/>
             <a:r>
               <a:rPr lang="en-US" sz="1100" dirty="0"/>
-              <a:t>Next color to retain is calculated</a:t>
-            </a:r>
-          </a:p>
-          <a:p>
+              <a:t>Calculated color and LEDs to be updated</a:t>
+            </a:r>
+          </a:p>
+          <a:p>
+            <a:pPr algn="ctr"/>
             <a:r>
               <a:rPr lang="en-US" sz="1100" dirty="0"/>
-              <a:t>(based on frequency and/or beat</a:t>
-            </a:r>
-          </a:p>
-          <a:p>
-            <a:r>
-              <a:rPr lang="en-US" sz="1100" dirty="0"/>
-              <a:t>of current note)</a:t>
-            </a:r>
-          </a:p>
-        </p:txBody>
-      </p:sp>
-      <p:sp>
-        <p:nvSpPr>
-          <p:cNvPr id="50" name="TextBox 49">
-            <a:extLst>
-              <a:ext uri="{FF2B5EF4-FFF2-40B4-BE49-F238E27FC236}">
-                <a16:creationId xmlns:a16="http://schemas.microsoft.com/office/drawing/2014/main" id="{CEDAC043-FF01-44EA-8D56-855FF060FDE6}"/>
+              <a:t>(frequency- and/or beats- based)</a:t>
+            </a:r>
+          </a:p>
+        </p:txBody>
+      </p:sp>
+      <p:sp>
+        <p:nvSpPr>
+          <p:cNvPr id="51" name="TextBox 50">
+            <a:extLst>
+              <a:ext uri="{FF2B5EF4-FFF2-40B4-BE49-F238E27FC236}">
+                <a16:creationId xmlns:a16="http://schemas.microsoft.com/office/drawing/2014/main" id="{D65D89A7-C75C-438A-86EA-A0E16699CC05}"/>
               </a:ext>
             </a:extLst>
           </p:cNvPr>
@@ -3818,8 +3819,8 @@
         </p:nvSpPr>
         <p:spPr>
           <a:xfrm>
-            <a:off x="1720829" y="1769902"/>
-            <a:ext cx="1553630" cy="600164"/>
+            <a:off x="6669248" y="4152550"/>
+            <a:ext cx="627095" cy="646331"/>
           </a:xfrm>
           <a:prstGeom prst="rect">
             <a:avLst/>
@@ -3833,30 +3834,21 @@
           <a:lstStyle/>
           <a:p>
             <a:r>
-              <a:rPr lang="en-US" sz="1100" dirty="0"/>
-              <a:t>Current color has been </a:t>
-            </a:r>
-          </a:p>
-          <a:p>
-            <a:r>
-              <a:rPr lang="en-US" sz="1100" dirty="0"/>
-              <a:t>retained sufficiently;</a:t>
-            </a:r>
-          </a:p>
-          <a:p>
-            <a:r>
-              <a:rPr lang="en-US" sz="1100" dirty="0"/>
-              <a:t>must calculate next one</a:t>
-            </a:r>
-          </a:p>
-        </p:txBody>
-      </p:sp>
-      <p:sp>
-        <p:nvSpPr>
-          <p:cNvPr id="51" name="TextBox 50">
-            <a:extLst>
-              <a:ext uri="{FF2B5EF4-FFF2-40B4-BE49-F238E27FC236}">
-                <a16:creationId xmlns:a16="http://schemas.microsoft.com/office/drawing/2014/main" id="{D65D89A7-C75C-438A-86EA-A0E16699CC05}"/>
+              <a:rPr lang="en-US" dirty="0"/>
+              <a:t>LEDs</a:t>
+            </a:r>
+          </a:p>
+          <a:p>
+            <a:endParaRPr lang="en-US" dirty="0"/>
+          </a:p>
+        </p:txBody>
+      </p:sp>
+      <p:sp>
+        <p:nvSpPr>
+          <p:cNvPr id="15" name="TextBox 14">
+            <a:extLst>
+              <a:ext uri="{FF2B5EF4-FFF2-40B4-BE49-F238E27FC236}">
+                <a16:creationId xmlns:a16="http://schemas.microsoft.com/office/drawing/2014/main" id="{C6EAB9D2-8706-4EAB-ADA2-5CC3BD823007}"/>
               </a:ext>
             </a:extLst>
           </p:cNvPr>
@@ -3864,9 +3856,9 @@
           <p:nvPr/>
         </p:nvSpPr>
         <p:spPr>
-          <a:xfrm>
-            <a:off x="6669248" y="4152550"/>
-            <a:ext cx="627095" cy="646331"/>
+          <a:xfrm rot="19446400">
+            <a:off x="1699858" y="2166331"/>
+            <a:ext cx="2451312" cy="261610"/>
           </a:xfrm>
           <a:prstGeom prst="rect">
             <a:avLst/>
@@ -3880,12 +3872,9 @@
           <a:lstStyle/>
           <a:p>
             <a:r>
-              <a:rPr lang="en-US" dirty="0"/>
-              <a:t>LEDs</a:t>
-            </a:r>
-          </a:p>
-          <a:p>
-            <a:endParaRPr lang="en-US" dirty="0"/>
+              <a:rPr lang="en-US" sz="1100" dirty="0"/>
+              <a:t>Finished retaining current color scheme</a:t>
+            </a:r>
           </a:p>
         </p:txBody>
       </p:sp>
@@ -3968,6 +3957,13 @@
           <a:prstGeom prst="rect">
             <a:avLst/>
           </a:prstGeom>
+          <a:ln>
+            <a:solidFill>
+              <a:schemeClr val="accent3">
+                <a:lumMod val="75000"/>
+              </a:schemeClr>
+            </a:solidFill>
+          </a:ln>
         </p:spPr>
         <p:style>
           <a:lnRef idx="2">
@@ -4060,7 +4056,7 @@
         </p:nvSpPr>
         <p:spPr>
           <a:xfrm>
-            <a:off x="3727511" y="2745998"/>
+            <a:off x="3727511" y="2804721"/>
             <a:ext cx="1744910" cy="914400"/>
           </a:xfrm>
           <a:prstGeom prst="rect">
@@ -4152,7 +4148,7 @@
         </p:nvCxnSpPr>
         <p:spPr>
           <a:xfrm flipH="1">
-            <a:off x="5225611" y="1591710"/>
+            <a:off x="5024275" y="1591710"/>
             <a:ext cx="1064361" cy="1148695"/>
           </a:xfrm>
           <a:prstGeom prst="straightConnector1">
@@ -4193,7 +4189,7 @@
         </p:nvCxnSpPr>
         <p:spPr>
           <a:xfrm flipV="1">
-            <a:off x="3934437" y="1544972"/>
+            <a:off x="3984771" y="1544972"/>
             <a:ext cx="1072044" cy="1201026"/>
           </a:xfrm>
           <a:prstGeom prst="straightConnector1">
@@ -4266,8 +4262,8 @@
           <p:nvPr/>
         </p:nvSpPr>
         <p:spPr>
-          <a:xfrm rot="18854408">
-            <a:off x="5016625" y="1997901"/>
+          <a:xfrm rot="18762299">
+            <a:off x="4756566" y="1997901"/>
             <a:ext cx="1277914" cy="261610"/>
           </a:xfrm>
           <a:prstGeom prst="rect">
@@ -4383,7 +4379,7 @@
         </p:nvCxnSpPr>
         <p:spPr>
           <a:xfrm flipH="1">
-            <a:off x="3531769" y="1345908"/>
+            <a:off x="3531769" y="1413020"/>
             <a:ext cx="1191234" cy="0"/>
           </a:xfrm>
           <a:prstGeom prst="straightConnector1">
@@ -4422,7 +4418,7 @@
         </p:nvSpPr>
         <p:spPr>
           <a:xfrm>
-            <a:off x="3507833" y="1130699"/>
+            <a:off x="3507833" y="1189422"/>
             <a:ext cx="1324402" cy="261610"/>
           </a:xfrm>
           <a:prstGeom prst="rect">
@@ -4437,12 +4433,8 @@
           <a:lstStyle/>
           <a:p>
             <a:r>
-              <a:rPr lang="en-US" sz="1100" dirty="0" err="1"/>
-              <a:t>song_done</a:t>
-            </a:r>
-            <a:r>
               <a:rPr lang="en-US" sz="1100" dirty="0"/>
-              <a:t> == TRUE</a:t>
+              <a:t>song_done == TRUE</a:t>
             </a:r>
           </a:p>
         </p:txBody>
@@ -4461,7 +4453,7 @@
         </p:nvCxnSpPr>
         <p:spPr>
           <a:xfrm rot="10800000" flipV="1">
-            <a:off x="3625443" y="2848064"/>
+            <a:off x="3625443" y="2906787"/>
             <a:ext cx="654341" cy="620785"/>
           </a:xfrm>
           <a:prstGeom prst="curvedConnector3">
@@ -4501,8 +4493,8 @@
           <p:nvPr/>
         </p:nvSpPr>
         <p:spPr>
-          <a:xfrm rot="18656749">
-            <a:off x="3496331" y="1984158"/>
+          <a:xfrm rot="18656085">
+            <a:off x="3529887" y="2009325"/>
             <a:ext cx="1728358" cy="261610"/>
           </a:xfrm>
           <a:prstGeom prst="rect">
@@ -4573,6 +4565,11 @@
           <a:prstGeom prst="rect">
             <a:avLst/>
           </a:prstGeom>
+          <a:solidFill>
+            <a:schemeClr val="accent3">
+              <a:lumMod val="75000"/>
+            </a:schemeClr>
+          </a:solidFill>
         </p:spPr>
         <p:style>
           <a:lnRef idx="2">
@@ -4622,6 +4619,12 @@
           <a:prstGeom prst="cloud">
             <a:avLst/>
           </a:prstGeom>
+          <a:solidFill>
+            <a:schemeClr val="accent1">
+              <a:lumMod val="40000"/>
+              <a:lumOff val="60000"/>
+            </a:schemeClr>
+          </a:solidFill>
         </p:spPr>
         <p:style>
           <a:lnRef idx="2">
@@ -4671,6 +4674,9 @@
           <a:prstGeom prst="flowChartPunchedTape">
             <a:avLst/>
           </a:prstGeom>
+          <a:solidFill>
+            <a:srgbClr val="7030A0"/>
+          </a:solidFill>
         </p:spPr>
         <p:style>
           <a:lnRef idx="2">
@@ -4761,6 +4767,11 @@
           <a:prstGeom prst="rect">
             <a:avLst/>
           </a:prstGeom>
+          <a:solidFill>
+            <a:schemeClr val="accent2">
+              <a:lumMod val="75000"/>
+            </a:schemeClr>
+          </a:solidFill>
         </p:spPr>
         <p:style>
           <a:lnRef idx="2">
@@ -4784,10 +4795,9 @@
           <a:p>
             <a:pPr algn="ctr"/>
             <a:r>
-              <a:rPr lang="en-US" dirty="0" err="1"/>
-              <a:t>webapp</a:t>
-            </a:r>
-            <a:endParaRPr lang="en-US" dirty="0"/>
+              <a:rPr lang="en-US" dirty="0"/>
+              <a:t>web app</a:t>
+            </a:r>
           </a:p>
         </p:txBody>
       </p:sp>
@@ -4880,13 +4890,15 @@
               </a:ext>
             </a:extLst>
           </p:cNvPr>
-          <p:cNvCxnSpPr/>
+          <p:cNvCxnSpPr>
+            <a:cxnSpLocks/>
+          </p:cNvCxnSpPr>
           <p:nvPr/>
         </p:nvCxnSpPr>
         <p:spPr>
           <a:xfrm>
             <a:off x="4627044" y="1484851"/>
-            <a:ext cx="947956" cy="1224793"/>
+            <a:ext cx="1504924" cy="1240047"/>
           </a:xfrm>
           <a:prstGeom prst="straightConnector1">
             <a:avLst/>
@@ -4924,8 +4936,8 @@
         </p:nvSpPr>
         <p:spPr>
           <a:xfrm rot="3041706">
-            <a:off x="3977604" y="2076793"/>
-            <a:ext cx="1323632" cy="369332"/>
+            <a:off x="4102830" y="2107570"/>
+            <a:ext cx="1073179" cy="307777"/>
           </a:xfrm>
           <a:prstGeom prst="rect">
             <a:avLst/>
@@ -4939,7 +4951,7 @@
           <a:lstStyle/>
           <a:p>
             <a:r>
-              <a:rPr lang="en-US" dirty="0"/>
+              <a:rPr lang="en-US" sz="1400" dirty="0"/>
               <a:t>GET request</a:t>
             </a:r>
           </a:p>
@@ -4959,8 +4971,8 @@
         </p:nvSpPr>
         <p:spPr>
           <a:xfrm>
-            <a:off x="4675438" y="288097"/>
-            <a:ext cx="2524409" cy="646331"/>
+            <a:off x="4979648" y="489744"/>
+            <a:ext cx="2048381" cy="492443"/>
           </a:xfrm>
           <a:prstGeom prst="rect">
             <a:avLst/>
@@ -4974,14 +4986,14 @@
           <a:lstStyle/>
           <a:p>
             <a:r>
-              <a:rPr lang="en-US" dirty="0"/>
+              <a:rPr lang="en-US" sz="1400" dirty="0"/>
               <a:t>POST request</a:t>
             </a:r>
           </a:p>
           <a:p>
             <a:r>
-              <a:rPr lang="en-US" dirty="0"/>
-              <a:t>(info for “User”, “Room”)</a:t>
+              <a:rPr lang="en-US" sz="1200" dirty="0"/>
+              <a:t>(info for “User”, “Room” DB’s)</a:t>
             </a:r>
           </a:p>
         </p:txBody>
@@ -4999,9 +5011,9 @@
           <p:nvPr/>
         </p:nvSpPr>
         <p:spPr>
-          <a:xfrm>
-            <a:off x="5217180" y="2042199"/>
-            <a:ext cx="1915781" cy="646331"/>
+          <a:xfrm rot="2400406">
+            <a:off x="4660983" y="1897056"/>
+            <a:ext cx="1502655" cy="461665"/>
           </a:xfrm>
           <a:prstGeom prst="rect">
             <a:avLst/>
@@ -5015,14 +5027,14 @@
           <a:lstStyle/>
           <a:p>
             <a:r>
-              <a:rPr lang="en-US" dirty="0"/>
+              <a:rPr lang="en-US" sz="1200" dirty="0"/>
               <a:t>Updated info from</a:t>
             </a:r>
           </a:p>
           <a:p>
             <a:r>
-              <a:rPr lang="en-US" dirty="0"/>
-              <a:t> “User”, “Room”</a:t>
+              <a:rPr lang="en-US" sz="1200" dirty="0"/>
+              <a:t> “User”, “Room” DB’s</a:t>
             </a:r>
           </a:p>
         </p:txBody>
@@ -5041,8 +5053,8 @@
         </p:nvSpPr>
         <p:spPr>
           <a:xfrm>
-            <a:off x="4202664" y="3900810"/>
-            <a:ext cx="2756717" cy="369332"/>
+            <a:off x="5542640" y="3889702"/>
+            <a:ext cx="1178656" cy="492443"/>
           </a:xfrm>
           <a:prstGeom prst="rect">
             <a:avLst/>
@@ -5056,8 +5068,14 @@
           <a:lstStyle/>
           <a:p>
             <a:r>
-              <a:rPr lang="en-US" dirty="0"/>
-              <a:t>Playing mode, patterns info</a:t>
+              <a:rPr lang="en-US" sz="1300" dirty="0"/>
+              <a:t>Playing mode, </a:t>
+            </a:r>
+          </a:p>
+          <a:p>
+            <a:r>
+              <a:rPr lang="en-US" sz="1300" dirty="0"/>
+              <a:t>patterns info</a:t>
             </a:r>
           </a:p>
         </p:txBody>
@@ -5082,6 +5100,12 @@
           <a:prstGeom prst="flowChartMagneticDisk">
             <a:avLst/>
           </a:prstGeom>
+          <a:solidFill>
+            <a:schemeClr val="accent5">
+              <a:lumMod val="60000"/>
+              <a:lumOff val="40000"/>
+            </a:schemeClr>
+          </a:solidFill>
         </p:spPr>
         <p:style>
           <a:lnRef idx="2">
@@ -5131,6 +5155,12 @@
           <a:prstGeom prst="flowChartMagneticDisk">
             <a:avLst/>
           </a:prstGeom>
+          <a:solidFill>
+            <a:schemeClr val="accent5">
+              <a:lumMod val="60000"/>
+              <a:lumOff val="40000"/>
+            </a:schemeClr>
+          </a:solidFill>
         </p:spPr>
         <p:style>
           <a:lnRef idx="2">
@@ -5174,8 +5204,8 @@
         </p:nvSpPr>
         <p:spPr>
           <a:xfrm>
-            <a:off x="2775284" y="461688"/>
-            <a:ext cx="848502" cy="369332"/>
+            <a:off x="2790877" y="646265"/>
+            <a:ext cx="624017" cy="276999"/>
           </a:xfrm>
           <a:prstGeom prst="rect">
             <a:avLst/>
@@ -5189,7 +5219,7 @@
           <a:lstStyle/>
           <a:p>
             <a:r>
-              <a:rPr lang="en-US" dirty="0"/>
+              <a:rPr lang="en-US" sz="1200" dirty="0"/>
               <a:t>update</a:t>
             </a:r>
           </a:p>
@@ -5209,8 +5239,8 @@
         </p:nvSpPr>
         <p:spPr>
           <a:xfrm>
-            <a:off x="2895600" y="1672867"/>
-            <a:ext cx="848502" cy="369332"/>
+            <a:off x="2845266" y="1580588"/>
+            <a:ext cx="624017" cy="276999"/>
           </a:xfrm>
           <a:prstGeom prst="rect">
             <a:avLst/>
@@ -5224,7 +5254,7 @@
           <a:lstStyle/>
           <a:p>
             <a:r>
-              <a:rPr lang="en-US" dirty="0"/>
+              <a:rPr lang="en-US" sz="1200" dirty="0"/>
               <a:t>update</a:t>
             </a:r>
           </a:p>
@@ -5319,13 +5349,15 @@
               </a:ext>
             </a:extLst>
           </p:cNvPr>
-          <p:cNvCxnSpPr/>
+          <p:cNvCxnSpPr>
+            <a:cxnSpLocks/>
+          </p:cNvCxnSpPr>
           <p:nvPr/>
         </p:nvCxnSpPr>
         <p:spPr>
           <a:xfrm flipH="1" flipV="1">
-            <a:off x="4861935" y="1251284"/>
-            <a:ext cx="1510360" cy="376180"/>
+            <a:off x="4919990" y="1189095"/>
+            <a:ext cx="2264401" cy="452439"/>
           </a:xfrm>
           <a:prstGeom prst="straightConnector1">
             <a:avLst/>
@@ -5362,9 +5394,9 @@
           <p:nvPr/>
         </p:nvSpPr>
         <p:spPr>
-          <a:xfrm>
-            <a:off x="5101022" y="1035827"/>
-            <a:ext cx="2793522" cy="923330"/>
+          <a:xfrm rot="670181">
+            <a:off x="5101022" y="1154663"/>
+            <a:ext cx="1919564" cy="677108"/>
           </a:xfrm>
           <a:prstGeom prst="rect">
             <a:avLst/>
@@ -5378,19 +5410,19 @@
           <a:lstStyle/>
           <a:p>
             <a:r>
-              <a:rPr lang="en-US" dirty="0"/>
+              <a:rPr lang="en-US" sz="1400" dirty="0"/>
               <a:t>GET request</a:t>
             </a:r>
           </a:p>
           <a:p>
             <a:r>
-              <a:rPr lang="en-US" dirty="0"/>
+              <a:rPr lang="en-US" sz="1200" dirty="0"/>
               <a:t>(current song in each room)</a:t>
             </a:r>
           </a:p>
           <a:p>
             <a:r>
-              <a:rPr lang="en-US" dirty="0"/>
+              <a:rPr lang="en-US" sz="1200" dirty="0"/>
               <a:t>(pause/play status)</a:t>
             </a:r>
           </a:p>

--- a/writeups/fsm.pptx
+++ b/writeups/fsm.pptx
@@ -3819,7 +3819,7 @@
         </p:nvSpPr>
         <p:spPr>
           <a:xfrm>
-            <a:off x="6669248" y="4152550"/>
+            <a:off x="2328984" y="4336496"/>
             <a:ext cx="627095" cy="646331"/>
           </a:xfrm>
           <a:prstGeom prst="rect">
@@ -3908,6 +3908,168 @@
           <a:chExt cx="0" cy="0"/>
         </a:xfrm>
       </p:grpSpPr>
+      <p:cxnSp>
+        <p:nvCxnSpPr>
+          <p:cNvPr id="36" name="Straight Arrow Connector 35">
+            <a:extLst>
+              <a:ext uri="{FF2B5EF4-FFF2-40B4-BE49-F238E27FC236}">
+                <a16:creationId xmlns:a16="http://schemas.microsoft.com/office/drawing/2014/main" id="{DEF20B84-BEF3-4B30-A396-92CDA22C08D3}"/>
+              </a:ext>
+            </a:extLst>
+          </p:cNvPr>
+          <p:cNvCxnSpPr>
+            <a:cxnSpLocks/>
+          </p:cNvCxnSpPr>
+          <p:nvPr/>
+        </p:nvCxnSpPr>
+        <p:spPr>
+          <a:xfrm>
+            <a:off x="8108691" y="1645973"/>
+            <a:ext cx="1375794" cy="0"/>
+          </a:xfrm>
+          <a:prstGeom prst="straightConnector1">
+            <a:avLst/>
+          </a:prstGeom>
+          <a:ln>
+            <a:tailEnd type="triangle"/>
+          </a:ln>
+        </p:spPr>
+        <p:style>
+          <a:lnRef idx="1">
+            <a:schemeClr val="accent1"/>
+          </a:lnRef>
+          <a:fillRef idx="0">
+            <a:schemeClr val="accent1"/>
+          </a:fillRef>
+          <a:effectRef idx="0">
+            <a:schemeClr val="accent1"/>
+          </a:effectRef>
+          <a:fontRef idx="minor">
+            <a:schemeClr val="tx1"/>
+          </a:fontRef>
+        </p:style>
+      </p:cxnSp>
+      <p:sp>
+        <p:nvSpPr>
+          <p:cNvPr id="40" name="TextBox 39">
+            <a:extLst>
+              <a:ext uri="{FF2B5EF4-FFF2-40B4-BE49-F238E27FC236}">
+                <a16:creationId xmlns:a16="http://schemas.microsoft.com/office/drawing/2014/main" id="{AE252963-7F18-4F5F-B7B2-2B6CA7BB654D}"/>
+              </a:ext>
+            </a:extLst>
+          </p:cNvPr>
+          <p:cNvSpPr txBox="1"/>
+          <p:nvPr/>
+        </p:nvSpPr>
+        <p:spPr>
+          <a:xfrm>
+            <a:off x="8253346" y="1416944"/>
+            <a:ext cx="1284326" cy="261610"/>
+          </a:xfrm>
+          <a:prstGeom prst="rect">
+            <a:avLst/>
+          </a:prstGeom>
+          <a:noFill/>
+        </p:spPr>
+        <p:txBody>
+          <a:bodyPr wrap="square" rtlCol="0">
+            <a:spAutoFit/>
+          </a:bodyPr>
+          <a:lstStyle/>
+          <a:p>
+            <a:r>
+              <a:rPr lang="en-US" sz="1100" dirty="0"/>
+              <a:t>Progress by default</a:t>
+            </a:r>
+          </a:p>
+        </p:txBody>
+      </p:sp>
+      <p:cxnSp>
+        <p:nvCxnSpPr>
+          <p:cNvPr id="15" name="Connector: Curved 14">
+            <a:extLst>
+              <a:ext uri="{FF2B5EF4-FFF2-40B4-BE49-F238E27FC236}">
+                <a16:creationId xmlns:a16="http://schemas.microsoft.com/office/drawing/2014/main" id="{07D8DD19-DA4A-40D7-8AA7-B2D10FDE6CB6}"/>
+              </a:ext>
+            </a:extLst>
+          </p:cNvPr>
+          <p:cNvCxnSpPr>
+            <a:cxnSpLocks/>
+          </p:cNvCxnSpPr>
+          <p:nvPr/>
+        </p:nvCxnSpPr>
+        <p:spPr>
+          <a:xfrm rot="10800000" flipV="1">
+            <a:off x="914866" y="1222328"/>
+            <a:ext cx="654341" cy="620785"/>
+          </a:xfrm>
+          <a:prstGeom prst="curvedConnector3">
+            <a:avLst>
+              <a:gd name="adj1" fmla="val 182051"/>
+            </a:avLst>
+          </a:prstGeom>
+          <a:ln>
+            <a:tailEnd type="triangle"/>
+          </a:ln>
+        </p:spPr>
+        <p:style>
+          <a:lnRef idx="1">
+            <a:schemeClr val="accent1"/>
+          </a:lnRef>
+          <a:fillRef idx="0">
+            <a:schemeClr val="accent1"/>
+          </a:fillRef>
+          <a:effectRef idx="0">
+            <a:schemeClr val="accent1"/>
+          </a:effectRef>
+          <a:fontRef idx="minor">
+            <a:schemeClr val="tx1"/>
+          </a:fontRef>
+        </p:style>
+      </p:cxnSp>
+      <p:cxnSp>
+        <p:nvCxnSpPr>
+          <p:cNvPr id="27" name="Connector: Curved 26">
+            <a:extLst>
+              <a:ext uri="{FF2B5EF4-FFF2-40B4-BE49-F238E27FC236}">
+                <a16:creationId xmlns:a16="http://schemas.microsoft.com/office/drawing/2014/main" id="{29A2EB81-D794-4418-9221-C079472802D9}"/>
+              </a:ext>
+            </a:extLst>
+          </p:cNvPr>
+          <p:cNvCxnSpPr>
+            <a:cxnSpLocks/>
+          </p:cNvCxnSpPr>
+          <p:nvPr/>
+        </p:nvCxnSpPr>
+        <p:spPr>
+          <a:xfrm rot="10800000" flipV="1">
+            <a:off x="2609444" y="3487358"/>
+            <a:ext cx="654341" cy="620785"/>
+          </a:xfrm>
+          <a:prstGeom prst="curvedConnector3">
+            <a:avLst>
+              <a:gd name="adj1" fmla="val 182051"/>
+            </a:avLst>
+          </a:prstGeom>
+          <a:ln>
+            <a:tailEnd type="triangle"/>
+          </a:ln>
+        </p:spPr>
+        <p:style>
+          <a:lnRef idx="1">
+            <a:schemeClr val="accent1"/>
+          </a:lnRef>
+          <a:fillRef idx="0">
+            <a:schemeClr val="accent1"/>
+          </a:fillRef>
+          <a:effectRef idx="0">
+            <a:schemeClr val="accent1"/>
+          </a:effectRef>
+          <a:fontRef idx="minor">
+            <a:schemeClr val="tx1"/>
+          </a:fontRef>
+        </p:style>
+      </p:cxnSp>
       <p:pic>
         <p:nvPicPr>
           <p:cNvPr id="28" name="Picture 27">
@@ -3928,9 +4090,9 @@
           <a:stretch/>
         </p:blipFill>
         <p:spPr>
-          <a:xfrm flipH="1">
-            <a:off x="5785610" y="424165"/>
-            <a:ext cx="1484853" cy="1042923"/>
+          <a:xfrm rot="14334615" flipH="1">
+            <a:off x="3239153" y="699611"/>
+            <a:ext cx="1419215" cy="1042923"/>
           </a:xfrm>
           <a:prstGeom prst="rect">
             <a:avLst/>
@@ -3951,12 +4113,17 @@
         </p:nvSpPr>
         <p:spPr>
           <a:xfrm>
-            <a:off x="1978138" y="612396"/>
+            <a:off x="962139" y="1192967"/>
             <a:ext cx="1553629" cy="914400"/>
           </a:xfrm>
           <a:prstGeom prst="rect">
             <a:avLst/>
           </a:prstGeom>
+          <a:solidFill>
+            <a:schemeClr val="accent3">
+              <a:lumMod val="75000"/>
+            </a:schemeClr>
+          </a:solidFill>
           <a:ln>
             <a:solidFill>
               <a:schemeClr val="accent3">
@@ -4007,12 +4174,17 @@
         </p:nvSpPr>
         <p:spPr>
           <a:xfrm>
-            <a:off x="4783127" y="597016"/>
+            <a:off x="3767128" y="1177587"/>
             <a:ext cx="1744910" cy="914400"/>
           </a:xfrm>
           <a:prstGeom prst="rect">
             <a:avLst/>
           </a:prstGeom>
+          <a:solidFill>
+            <a:schemeClr val="accent3">
+              <a:lumMod val="75000"/>
+            </a:schemeClr>
+          </a:solidFill>
         </p:spPr>
         <p:style>
           <a:lnRef idx="2">
@@ -4056,12 +4228,17 @@
         </p:nvSpPr>
         <p:spPr>
           <a:xfrm>
-            <a:off x="3727511" y="2804721"/>
+            <a:off x="2711512" y="3385292"/>
             <a:ext cx="1744910" cy="914400"/>
           </a:xfrm>
           <a:prstGeom prst="rect">
             <a:avLst/>
           </a:prstGeom>
+          <a:solidFill>
+            <a:schemeClr val="accent3">
+              <a:lumMod val="75000"/>
+            </a:schemeClr>
+          </a:solidFill>
         </p:spPr>
         <p:style>
           <a:lnRef idx="2">
@@ -4102,13 +4279,14 @@
           </p:cNvPr>
           <p:cNvCxnSpPr>
             <a:cxnSpLocks/>
+            <a:stCxn id="4" idx="3"/>
           </p:cNvCxnSpPr>
           <p:nvPr/>
         </p:nvCxnSpPr>
         <p:spPr>
-          <a:xfrm>
-            <a:off x="3347209" y="1065402"/>
-            <a:ext cx="1375794" cy="0"/>
+          <a:xfrm flipV="1">
+            <a:off x="2515768" y="1645973"/>
+            <a:ext cx="1191236" cy="4194"/>
           </a:xfrm>
           <a:prstGeom prst="straightConnector1">
             <a:avLst/>
@@ -4148,7 +4326,7 @@
         </p:nvCxnSpPr>
         <p:spPr>
           <a:xfrm flipH="1">
-            <a:off x="5024275" y="1591710"/>
+            <a:off x="4008276" y="2172281"/>
             <a:ext cx="1064361" cy="1148695"/>
           </a:xfrm>
           <a:prstGeom prst="straightConnector1">
@@ -4189,7 +4367,7 @@
         </p:nvCxnSpPr>
         <p:spPr>
           <a:xfrm flipV="1">
-            <a:off x="3984771" y="1544972"/>
+            <a:off x="2968772" y="2125543"/>
             <a:ext cx="1072044" cy="1201026"/>
           </a:xfrm>
           <a:prstGeom prst="straightConnector1">
@@ -4228,7 +4406,7 @@
         </p:nvSpPr>
         <p:spPr>
           <a:xfrm>
-            <a:off x="3498046" y="844075"/>
+            <a:off x="2482047" y="1424646"/>
             <a:ext cx="1258678" cy="261610"/>
           </a:xfrm>
           <a:prstGeom prst="rect">
@@ -4237,7 +4415,7 @@
           <a:noFill/>
         </p:spPr>
         <p:txBody>
-          <a:bodyPr wrap="none" rtlCol="0">
+          <a:bodyPr wrap="square" rtlCol="0">
             <a:spAutoFit/>
           </a:bodyPr>
           <a:lstStyle/>
@@ -4263,7 +4441,7 @@
         </p:nvSpPr>
         <p:spPr>
           <a:xfrm rot="18762299">
-            <a:off x="4756566" y="1997901"/>
+            <a:off x="3740567" y="2578472"/>
             <a:ext cx="1277914" cy="261610"/>
           </a:xfrm>
           <a:prstGeom prst="rect">
@@ -4272,7 +4450,7 @@
           <a:noFill/>
         </p:spPr>
         <p:txBody>
-          <a:bodyPr wrap="none" rtlCol="0">
+          <a:bodyPr wrap="square" rtlCol="0">
             <a:spAutoFit/>
           </a:bodyPr>
           <a:lstStyle/>
@@ -4298,8 +4476,8 @@
         </p:nvSpPr>
         <p:spPr>
           <a:xfrm>
-            <a:off x="6669248" y="4152550"/>
-            <a:ext cx="745717" cy="646331"/>
+            <a:off x="2592226" y="4680258"/>
+            <a:ext cx="753091" cy="646331"/>
           </a:xfrm>
           <a:prstGeom prst="rect">
             <a:avLst/>
@@ -4307,14 +4485,14 @@
           <a:noFill/>
         </p:spPr>
         <p:txBody>
-          <a:bodyPr wrap="none" rtlCol="0">
+          <a:bodyPr wrap="square" rtlCol="0">
             <a:spAutoFit/>
           </a:bodyPr>
           <a:lstStyle/>
           <a:p>
             <a:r>
               <a:rPr lang="en-US" dirty="0"/>
-              <a:t>esp32</a:t>
+              <a:t>ESP32</a:t>
             </a:r>
           </a:p>
           <a:p>
@@ -4324,19 +4502,329 @@
       </p:sp>
       <p:cxnSp>
         <p:nvCxnSpPr>
-          <p:cNvPr id="15" name="Connector: Curved 14">
-            <a:extLst>
-              <a:ext uri="{FF2B5EF4-FFF2-40B4-BE49-F238E27FC236}">
-                <a16:creationId xmlns:a16="http://schemas.microsoft.com/office/drawing/2014/main" id="{07D8DD19-DA4A-40D7-8AA7-B2D10FDE6CB6}"/>
-              </a:ext>
-            </a:extLst>
-          </p:cNvPr>
-          <p:cNvCxnSpPr/>
+          <p:cNvPr id="17" name="Straight Arrow Connector 16">
+            <a:extLst>
+              <a:ext uri="{FF2B5EF4-FFF2-40B4-BE49-F238E27FC236}">
+                <a16:creationId xmlns:a16="http://schemas.microsoft.com/office/drawing/2014/main" id="{4DC8B73A-A5E0-4538-90C3-82DD685B102E}"/>
+              </a:ext>
+            </a:extLst>
+          </p:cNvPr>
+          <p:cNvCxnSpPr>
+            <a:cxnSpLocks/>
+          </p:cNvCxnSpPr>
           <p:nvPr/>
         </p:nvCxnSpPr>
         <p:spPr>
+          <a:xfrm flipH="1">
+            <a:off x="2515770" y="1993591"/>
+            <a:ext cx="1191234" cy="0"/>
+          </a:xfrm>
+          <a:prstGeom prst="straightConnector1">
+            <a:avLst/>
+          </a:prstGeom>
+          <a:ln>
+            <a:tailEnd type="triangle"/>
+          </a:ln>
+        </p:spPr>
+        <p:style>
+          <a:lnRef idx="1">
+            <a:schemeClr val="accent1"/>
+          </a:lnRef>
+          <a:fillRef idx="0">
+            <a:schemeClr val="accent1"/>
+          </a:fillRef>
+          <a:effectRef idx="0">
+            <a:schemeClr val="accent1"/>
+          </a:effectRef>
+          <a:fontRef idx="minor">
+            <a:schemeClr val="tx1"/>
+          </a:fontRef>
+        </p:style>
+      </p:cxnSp>
+      <p:sp>
+        <p:nvSpPr>
+          <p:cNvPr id="26" name="TextBox 25">
+            <a:extLst>
+              <a:ext uri="{FF2B5EF4-FFF2-40B4-BE49-F238E27FC236}">
+                <a16:creationId xmlns:a16="http://schemas.microsoft.com/office/drawing/2014/main" id="{064D4B8C-8754-4BC5-946B-6E89880BF76A}"/>
+              </a:ext>
+            </a:extLst>
+          </p:cNvPr>
+          <p:cNvSpPr txBox="1"/>
+          <p:nvPr/>
+        </p:nvSpPr>
+        <p:spPr>
+          <a:xfrm>
+            <a:off x="2491834" y="1769993"/>
+            <a:ext cx="1324402" cy="261610"/>
+          </a:xfrm>
+          <a:prstGeom prst="rect">
+            <a:avLst/>
+          </a:prstGeom>
+          <a:noFill/>
+        </p:spPr>
+        <p:txBody>
+          <a:bodyPr wrap="square" rtlCol="0">
+            <a:spAutoFit/>
+          </a:bodyPr>
+          <a:lstStyle/>
+          <a:p>
+            <a:r>
+              <a:rPr lang="en-US" sz="1100" dirty="0"/>
+              <a:t>song_done == TRUE</a:t>
+            </a:r>
+          </a:p>
+        </p:txBody>
+      </p:sp>
+      <p:sp>
+        <p:nvSpPr>
+          <p:cNvPr id="31" name="TextBox 30">
+            <a:extLst>
+              <a:ext uri="{FF2B5EF4-FFF2-40B4-BE49-F238E27FC236}">
+                <a16:creationId xmlns:a16="http://schemas.microsoft.com/office/drawing/2014/main" id="{C0CAF885-43AF-476E-8017-1C2131DA279C}"/>
+              </a:ext>
+            </a:extLst>
+          </p:cNvPr>
+          <p:cNvSpPr txBox="1"/>
+          <p:nvPr/>
+        </p:nvSpPr>
+        <p:spPr>
+          <a:xfrm rot="18656085">
+            <a:off x="2513888" y="2589896"/>
+            <a:ext cx="1728358" cy="261610"/>
+          </a:xfrm>
+          <a:prstGeom prst="rect">
+            <a:avLst/>
+          </a:prstGeom>
+          <a:noFill/>
+        </p:spPr>
+        <p:txBody>
+          <a:bodyPr wrap="square" rtlCol="0">
+            <a:spAutoFit/>
+          </a:bodyPr>
+          <a:lstStyle/>
+          <a:p>
+            <a:r>
+              <a:rPr lang="en-US" sz="1100" dirty="0"/>
+              <a:t>indicator == PLAY or START</a:t>
+            </a:r>
+          </a:p>
+        </p:txBody>
+      </p:sp>
+      <p:sp>
+        <p:nvSpPr>
+          <p:cNvPr id="33" name="Rectangle 32">
+            <a:extLst>
+              <a:ext uri="{FF2B5EF4-FFF2-40B4-BE49-F238E27FC236}">
+                <a16:creationId xmlns:a16="http://schemas.microsoft.com/office/drawing/2014/main" id="{95CDB6CA-A95E-444C-80A8-E7CAFE72FFFE}"/>
+              </a:ext>
+            </a:extLst>
+          </p:cNvPr>
+          <p:cNvSpPr/>
+          <p:nvPr/>
+        </p:nvSpPr>
+        <p:spPr>
+          <a:xfrm>
+            <a:off x="7269792" y="1192967"/>
+            <a:ext cx="1023457" cy="914400"/>
+          </a:xfrm>
+          <a:prstGeom prst="rect">
+            <a:avLst/>
+          </a:prstGeom>
+          <a:solidFill>
+            <a:srgbClr val="7030A0"/>
+          </a:solidFill>
+        </p:spPr>
+        <p:style>
+          <a:lnRef idx="2">
+            <a:schemeClr val="accent1">
+              <a:shade val="50000"/>
+            </a:schemeClr>
+          </a:lnRef>
+          <a:fillRef idx="1">
+            <a:schemeClr val="accent1"/>
+          </a:fillRef>
+          <a:effectRef idx="0">
+            <a:schemeClr val="accent1"/>
+          </a:effectRef>
+          <a:fontRef idx="minor">
+            <a:schemeClr val="lt1"/>
+          </a:fontRef>
+        </p:style>
+        <p:txBody>
+          <a:bodyPr rtlCol="0" anchor="ctr"/>
+          <a:lstStyle/>
+          <a:p>
+            <a:pPr algn="ctr"/>
+            <a:r>
+              <a:rPr lang="en-US" dirty="0"/>
+              <a:t>IDLE</a:t>
+            </a:r>
+          </a:p>
+        </p:txBody>
+      </p:sp>
+      <p:sp>
+        <p:nvSpPr>
+          <p:cNvPr id="34" name="Rectangle 33">
+            <a:extLst>
+              <a:ext uri="{FF2B5EF4-FFF2-40B4-BE49-F238E27FC236}">
+                <a16:creationId xmlns:a16="http://schemas.microsoft.com/office/drawing/2014/main" id="{FC20D230-69EF-49BF-B183-6AF7AD0B8B16}"/>
+              </a:ext>
+            </a:extLst>
+          </p:cNvPr>
+          <p:cNvSpPr/>
+          <p:nvPr/>
+        </p:nvSpPr>
+        <p:spPr>
+          <a:xfrm>
+            <a:off x="9502664" y="1211143"/>
+            <a:ext cx="1744910" cy="914400"/>
+          </a:xfrm>
+          <a:prstGeom prst="rect">
+            <a:avLst/>
+          </a:prstGeom>
+          <a:solidFill>
+            <a:srgbClr val="7030A0"/>
+          </a:solidFill>
+        </p:spPr>
+        <p:style>
+          <a:lnRef idx="2">
+            <a:schemeClr val="accent1">
+              <a:shade val="50000"/>
+            </a:schemeClr>
+          </a:lnRef>
+          <a:fillRef idx="1">
+            <a:schemeClr val="accent1"/>
+          </a:fillRef>
+          <a:effectRef idx="0">
+            <a:schemeClr val="accent1"/>
+          </a:effectRef>
+          <a:fontRef idx="minor">
+            <a:schemeClr val="lt1"/>
+          </a:fontRef>
+        </p:style>
+        <p:txBody>
+          <a:bodyPr rtlCol="0" anchor="ctr"/>
+          <a:lstStyle/>
+          <a:p>
+            <a:pPr algn="ctr"/>
+            <a:r>
+              <a:rPr lang="en-US" dirty="0"/>
+              <a:t>COLOR</a:t>
+            </a:r>
+          </a:p>
+        </p:txBody>
+      </p:sp>
+      <p:sp>
+        <p:nvSpPr>
+          <p:cNvPr id="35" name="Rectangle 34">
+            <a:extLst>
+              <a:ext uri="{FF2B5EF4-FFF2-40B4-BE49-F238E27FC236}">
+                <a16:creationId xmlns:a16="http://schemas.microsoft.com/office/drawing/2014/main" id="{E6EC9BCB-85EA-4ED8-9C99-FB6C9FD316C0}"/>
+              </a:ext>
+            </a:extLst>
+          </p:cNvPr>
+          <p:cNvSpPr/>
+          <p:nvPr/>
+        </p:nvSpPr>
+        <p:spPr>
+          <a:xfrm>
+            <a:off x="7792706" y="3645351"/>
+            <a:ext cx="1744910" cy="914400"/>
+          </a:xfrm>
+          <a:prstGeom prst="rect">
+            <a:avLst/>
+          </a:prstGeom>
+          <a:solidFill>
+            <a:srgbClr val="7030A0"/>
+          </a:solidFill>
+        </p:spPr>
+        <p:style>
+          <a:lnRef idx="2">
+            <a:schemeClr val="accent1">
+              <a:shade val="50000"/>
+            </a:schemeClr>
+          </a:lnRef>
+          <a:fillRef idx="1">
+            <a:schemeClr val="accent1"/>
+          </a:fillRef>
+          <a:effectRef idx="0">
+            <a:schemeClr val="accent1"/>
+          </a:effectRef>
+          <a:fontRef idx="minor">
+            <a:schemeClr val="lt1"/>
+          </a:fontRef>
+        </p:style>
+        <p:txBody>
+          <a:bodyPr rtlCol="0" anchor="ctr"/>
+          <a:lstStyle/>
+          <a:p>
+            <a:pPr algn="ctr"/>
+            <a:r>
+              <a:rPr lang="en-US" dirty="0"/>
+              <a:t>RETAIN</a:t>
+            </a:r>
+          </a:p>
+        </p:txBody>
+      </p:sp>
+      <p:cxnSp>
+        <p:nvCxnSpPr>
+          <p:cNvPr id="37" name="Straight Arrow Connector 36">
+            <a:extLst>
+              <a:ext uri="{FF2B5EF4-FFF2-40B4-BE49-F238E27FC236}">
+                <a16:creationId xmlns:a16="http://schemas.microsoft.com/office/drawing/2014/main" id="{5812CEB7-0929-4220-88A9-DE39BA30E845}"/>
+              </a:ext>
+            </a:extLst>
+          </p:cNvPr>
+          <p:cNvCxnSpPr>
+            <a:cxnSpLocks/>
+          </p:cNvCxnSpPr>
+          <p:nvPr/>
+        </p:nvCxnSpPr>
+        <p:spPr>
+          <a:xfrm flipH="1">
+            <a:off x="9090203" y="2125543"/>
+            <a:ext cx="1997982" cy="1459506"/>
+          </a:xfrm>
+          <a:prstGeom prst="straightConnector1">
+            <a:avLst/>
+          </a:prstGeom>
+          <a:ln>
+            <a:tailEnd type="triangle"/>
+          </a:ln>
+        </p:spPr>
+        <p:style>
+          <a:lnRef idx="1">
+            <a:schemeClr val="accent1"/>
+          </a:lnRef>
+          <a:fillRef idx="0">
+            <a:schemeClr val="accent1"/>
+          </a:fillRef>
+          <a:effectRef idx="0">
+            <a:schemeClr val="accent1"/>
+          </a:effectRef>
+          <a:fontRef idx="minor">
+            <a:schemeClr val="tx1"/>
+          </a:fontRef>
+        </p:style>
+      </p:cxnSp>
+      <p:cxnSp>
+        <p:nvCxnSpPr>
+          <p:cNvPr id="38" name="Connector: Curved 37">
+            <a:extLst>
+              <a:ext uri="{FF2B5EF4-FFF2-40B4-BE49-F238E27FC236}">
+                <a16:creationId xmlns:a16="http://schemas.microsoft.com/office/drawing/2014/main" id="{131AAE64-DDF8-4CE1-A349-6D3E2B628B9B}"/>
+              </a:ext>
+            </a:extLst>
+          </p:cNvPr>
+          <p:cNvCxnSpPr>
+            <a:cxnSpLocks/>
+          </p:cNvCxnSpPr>
+          <p:nvPr/>
+        </p:nvCxnSpPr>
+        <p:spPr>
           <a:xfrm rot="10800000" flipV="1">
-            <a:off x="1930865" y="641757"/>
+            <a:off x="7764741" y="3645351"/>
             <a:ext cx="654341" cy="620785"/>
           </a:xfrm>
           <a:prstGeom prst="curvedConnector3">
@@ -4365,10 +4853,10 @@
       </p:cxnSp>
       <p:cxnSp>
         <p:nvCxnSpPr>
-          <p:cNvPr id="17" name="Straight Arrow Connector 16">
-            <a:extLst>
-              <a:ext uri="{FF2B5EF4-FFF2-40B4-BE49-F238E27FC236}">
-                <a16:creationId xmlns:a16="http://schemas.microsoft.com/office/drawing/2014/main" id="{4DC8B73A-A5E0-4538-90C3-82DD685B102E}"/>
+          <p:cNvPr id="39" name="Straight Arrow Connector 38">
+            <a:extLst>
+              <a:ext uri="{FF2B5EF4-FFF2-40B4-BE49-F238E27FC236}">
+                <a16:creationId xmlns:a16="http://schemas.microsoft.com/office/drawing/2014/main" id="{FBDF4A3C-F8A7-4E00-B616-1F9BE7B75254}"/>
               </a:ext>
             </a:extLst>
           </p:cNvPr>
@@ -4378,9 +4866,9 @@
           <p:nvPr/>
         </p:nvCxnSpPr>
         <p:spPr>
-          <a:xfrm flipH="1">
-            <a:off x="3531769" y="1413020"/>
-            <a:ext cx="1191234" cy="0"/>
+          <a:xfrm flipV="1">
+            <a:off x="7967250" y="2146606"/>
+            <a:ext cx="1951725" cy="1438443"/>
           </a:xfrm>
           <a:prstGeom prst="straightConnector1">
             <a:avLst/>
@@ -4406,10 +4894,10 @@
       </p:cxnSp>
       <p:sp>
         <p:nvSpPr>
-          <p:cNvPr id="26" name="TextBox 25">
-            <a:extLst>
-              <a:ext uri="{FF2B5EF4-FFF2-40B4-BE49-F238E27FC236}">
-                <a16:creationId xmlns:a16="http://schemas.microsoft.com/office/drawing/2014/main" id="{064D4B8C-8754-4BC5-946B-6E89880BF76A}"/>
+          <p:cNvPr id="41" name="TextBox 40">
+            <a:extLst>
+              <a:ext uri="{FF2B5EF4-FFF2-40B4-BE49-F238E27FC236}">
+                <a16:creationId xmlns:a16="http://schemas.microsoft.com/office/drawing/2014/main" id="{63F84CAA-B04A-4CD7-BAED-D0D54CF1E642}"/>
               </a:ext>
             </a:extLst>
           </p:cNvPr>
@@ -4417,9 +4905,9 @@
           <p:nvPr/>
         </p:nvSpPr>
         <p:spPr>
-          <a:xfrm>
-            <a:off x="3507833" y="1189422"/>
-            <a:ext cx="1324402" cy="261610"/>
+          <a:xfrm rot="19446400">
+            <a:off x="9082434" y="2702811"/>
+            <a:ext cx="2491388" cy="430887"/>
           </a:xfrm>
           <a:prstGeom prst="rect">
             <a:avLst/>
@@ -4427,39 +4915,120 @@
           <a:noFill/>
         </p:spPr>
         <p:txBody>
-          <a:bodyPr wrap="none" rtlCol="0">
+          <a:bodyPr wrap="square" rtlCol="0">
             <a:spAutoFit/>
           </a:bodyPr>
           <a:lstStyle/>
           <a:p>
+            <a:pPr algn="ctr"/>
             <a:r>
               <a:rPr lang="en-US" sz="1100" dirty="0"/>
-              <a:t>song_done == TRUE</a:t>
+              <a:t>Calculated color and LEDs to be updated</a:t>
+            </a:r>
+          </a:p>
+          <a:p>
+            <a:pPr algn="ctr"/>
+            <a:r>
+              <a:rPr lang="en-US" sz="1100" dirty="0"/>
+              <a:t>(frequency- and/or beats- based)</a:t>
+            </a:r>
+          </a:p>
+        </p:txBody>
+      </p:sp>
+      <p:sp>
+        <p:nvSpPr>
+          <p:cNvPr id="42" name="TextBox 41">
+            <a:extLst>
+              <a:ext uri="{FF2B5EF4-FFF2-40B4-BE49-F238E27FC236}">
+                <a16:creationId xmlns:a16="http://schemas.microsoft.com/office/drawing/2014/main" id="{75FBE10D-F02F-461D-9FAC-AB7E998B5D90}"/>
+              </a:ext>
+            </a:extLst>
+          </p:cNvPr>
+          <p:cNvSpPr txBox="1"/>
+          <p:nvPr/>
+        </p:nvSpPr>
+        <p:spPr>
+          <a:xfrm>
+            <a:off x="8483040" y="4917067"/>
+            <a:ext cx="627095" cy="646331"/>
+          </a:xfrm>
+          <a:prstGeom prst="rect">
+            <a:avLst/>
+          </a:prstGeom>
+          <a:noFill/>
+        </p:spPr>
+        <p:txBody>
+          <a:bodyPr wrap="square" rtlCol="0">
+            <a:spAutoFit/>
+          </a:bodyPr>
+          <a:lstStyle/>
+          <a:p>
+            <a:r>
+              <a:rPr lang="en-US" dirty="0"/>
+              <a:t>LEDs</a:t>
+            </a:r>
+          </a:p>
+          <a:p>
+            <a:endParaRPr lang="en-US" dirty="0"/>
+          </a:p>
+        </p:txBody>
+      </p:sp>
+      <p:sp>
+        <p:nvSpPr>
+          <p:cNvPr id="43" name="TextBox 42">
+            <a:extLst>
+              <a:ext uri="{FF2B5EF4-FFF2-40B4-BE49-F238E27FC236}">
+                <a16:creationId xmlns:a16="http://schemas.microsoft.com/office/drawing/2014/main" id="{7880FAF3-F6AD-4C67-B6E4-ED84530E7EE1}"/>
+              </a:ext>
+            </a:extLst>
+          </p:cNvPr>
+          <p:cNvSpPr txBox="1"/>
+          <p:nvPr/>
+        </p:nvSpPr>
+        <p:spPr>
+          <a:xfrm rot="19446400">
+            <a:off x="7853914" y="2746902"/>
+            <a:ext cx="2451312" cy="261610"/>
+          </a:xfrm>
+          <a:prstGeom prst="rect">
+            <a:avLst/>
+          </a:prstGeom>
+          <a:noFill/>
+        </p:spPr>
+        <p:txBody>
+          <a:bodyPr wrap="square" rtlCol="0">
+            <a:spAutoFit/>
+          </a:bodyPr>
+          <a:lstStyle/>
+          <a:p>
+            <a:r>
+              <a:rPr lang="en-US" sz="1100" dirty="0"/>
+              <a:t>Finished retaining current color scheme</a:t>
             </a:r>
           </a:p>
         </p:txBody>
       </p:sp>
       <p:cxnSp>
         <p:nvCxnSpPr>
-          <p:cNvPr id="27" name="Connector: Curved 26">
-            <a:extLst>
-              <a:ext uri="{FF2B5EF4-FFF2-40B4-BE49-F238E27FC236}">
-                <a16:creationId xmlns:a16="http://schemas.microsoft.com/office/drawing/2014/main" id="{29A2EB81-D794-4418-9221-C079472802D9}"/>
-              </a:ext>
-            </a:extLst>
-          </p:cNvPr>
-          <p:cNvCxnSpPr/>
+          <p:cNvPr id="49" name="Straight Arrow Connector 48">
+            <a:extLst>
+              <a:ext uri="{FF2B5EF4-FFF2-40B4-BE49-F238E27FC236}">
+                <a16:creationId xmlns:a16="http://schemas.microsoft.com/office/drawing/2014/main" id="{3D0F5EB0-353B-4878-9C13-C3BB095B69E3}"/>
+              </a:ext>
+            </a:extLst>
+          </p:cNvPr>
+          <p:cNvCxnSpPr>
+            <a:cxnSpLocks/>
+          </p:cNvCxnSpPr>
           <p:nvPr/>
         </p:nvCxnSpPr>
         <p:spPr>
-          <a:xfrm rot="10800000" flipV="1">
-            <a:off x="3625443" y="2906787"/>
-            <a:ext cx="654341" cy="620785"/>
-          </a:xfrm>
-          <a:prstGeom prst="curvedConnector3">
-            <a:avLst>
-              <a:gd name="adj1" fmla="val 182051"/>
-            </a:avLst>
+          <a:xfrm>
+            <a:off x="5512038" y="1532721"/>
+            <a:ext cx="1757754" cy="25152"/>
+          </a:xfrm>
+          <a:prstGeom prst="straightConnector1">
+            <a:avLst/>
           </a:prstGeom>
           <a:ln>
             <a:tailEnd type="triangle"/>
@@ -4482,10 +5051,10 @@
       </p:cxnSp>
       <p:sp>
         <p:nvSpPr>
-          <p:cNvPr id="31" name="TextBox 30">
-            <a:extLst>
-              <a:ext uri="{FF2B5EF4-FFF2-40B4-BE49-F238E27FC236}">
-                <a16:creationId xmlns:a16="http://schemas.microsoft.com/office/drawing/2014/main" id="{C0CAF885-43AF-476E-8017-1C2131DA279C}"/>
+          <p:cNvPr id="51" name="TextBox 50">
+            <a:extLst>
+              <a:ext uri="{FF2B5EF4-FFF2-40B4-BE49-F238E27FC236}">
+                <a16:creationId xmlns:a16="http://schemas.microsoft.com/office/drawing/2014/main" id="{7E31D3FE-B16B-4741-82DE-F0A0E969550D}"/>
               </a:ext>
             </a:extLst>
           </p:cNvPr>
@@ -4493,9 +5062,9 @@
           <p:nvPr/>
         </p:nvSpPr>
         <p:spPr>
-          <a:xfrm rot="18656085">
-            <a:off x="3529887" y="2009325"/>
-            <a:ext cx="1728358" cy="261610"/>
+          <a:xfrm>
+            <a:off x="5584608" y="1323048"/>
+            <a:ext cx="1493999" cy="461665"/>
           </a:xfrm>
           <a:prstGeom prst="rect">
             <a:avLst/>
@@ -4503,14 +5072,20 @@
           <a:noFill/>
         </p:spPr>
         <p:txBody>
-          <a:bodyPr wrap="none" rtlCol="0">
+          <a:bodyPr wrap="square" rtlCol="0">
             <a:spAutoFit/>
           </a:bodyPr>
           <a:lstStyle/>
           <a:p>
             <a:r>
-              <a:rPr lang="en-US" sz="1100" dirty="0"/>
-              <a:t>indicator == PLAY or START</a:t>
+              <a:rPr lang="en-US" sz="1200" dirty="0"/>
+              <a:t>state == PLAYING &amp;&amp;</a:t>
+            </a:r>
+          </a:p>
+          <a:p>
+            <a:r>
+              <a:rPr lang="en-US" sz="1200" dirty="0"/>
+              <a:t>song_done == false</a:t>
             </a:r>
           </a:p>
         </p:txBody>
